--- a/ARTEFATOS/EDITÁVEIS/15 -  ARQUITETURA DE NEGÓCIO PARA CADA CENÁRIO.pptx
+++ b/ARTEFATOS/EDITÁVEIS/15 -  ARQUITETURA DE NEGÓCIO PARA CADA CENÁRIO.pptx
@@ -5,14 +5,13 @@
     <p:sldMasterId id="2147483659" r:id="rId1"/>
   </p:sldMasterIdLst>
   <p:notesMasterIdLst>
-    <p:notesMasterId r:id="rId7"/>
+    <p:notesMasterId r:id="rId6"/>
   </p:notesMasterIdLst>
   <p:sldIdLst>
     <p:sldId id="256" r:id="rId2"/>
     <p:sldId id="264" r:id="rId3"/>
-    <p:sldId id="258" r:id="rId4"/>
-    <p:sldId id="259" r:id="rId5"/>
-    <p:sldId id="261" r:id="rId6"/>
+    <p:sldId id="265" r:id="rId4"/>
+    <p:sldId id="266" r:id="rId5"/>
   </p:sldIdLst>
   <p:sldSz cx="9144000" cy="5143500" type="screen16x9"/>
   <p:notesSz cx="6858000" cy="9144000"/>
@@ -1016,7 +1015,7 @@
     </p:spTree>
     <p:extLst>
       <p:ext uri="{BB962C8B-B14F-4D97-AF65-F5344CB8AC3E}">
-        <p14:creationId xmlns:p14="http://schemas.microsoft.com/office/powerpoint/2010/main" val="1082501965"/>
+        <p14:creationId xmlns:p14="http://schemas.microsoft.com/office/powerpoint/2010/main" val="3641886627"/>
       </p:ext>
     </p:extLst>
   </p:cSld>
@@ -1125,116 +1124,7 @@
     </p:spTree>
     <p:extLst>
       <p:ext uri="{BB962C8B-B14F-4D97-AF65-F5344CB8AC3E}">
-        <p14:creationId xmlns:p14="http://schemas.microsoft.com/office/powerpoint/2010/main" val="178196146"/>
-      </p:ext>
-    </p:extLst>
-  </p:cSld>
-  <p:clrMapOvr>
-    <a:masterClrMapping/>
-  </p:clrMapOvr>
-</p:notes>
-</file>
-
-<file path=ppt/notesSlides/notesSlide5.xml><?xml version="1.0" encoding="utf-8"?>
-<p:notes xmlns:a="http://schemas.openxmlformats.org/drawingml/2006/main" xmlns:r="http://schemas.openxmlformats.org/officeDocument/2006/relationships" xmlns:p="http://schemas.openxmlformats.org/presentationml/2006/main" showMasterSp="0" showMasterPhAnim="0">
-  <p:cSld>
-    <p:spTree>
-      <p:nvGrpSpPr>
-        <p:cNvPr id="1" name="Shape 97"/>
-        <p:cNvGrpSpPr/>
-        <p:nvPr/>
-      </p:nvGrpSpPr>
-      <p:grpSpPr>
-        <a:xfrm>
-          <a:off x="0" y="0"/>
-          <a:ext cx="0" cy="0"/>
-          <a:chOff x="0" y="0"/>
-          <a:chExt cx="0" cy="0"/>
-        </a:xfrm>
-      </p:grpSpPr>
-      <p:sp>
-        <p:nvSpPr>
-          <p:cNvPr id="98" name="Google Shape;98;g2546aa1b3b_0_45:notes"/>
-          <p:cNvSpPr>
-            <a:spLocks noGrp="1" noRot="1" noChangeAspect="1"/>
-          </p:cNvSpPr>
-          <p:nvPr>
-            <p:ph type="sldImg" idx="2"/>
-          </p:nvPr>
-        </p:nvSpPr>
-        <p:spPr>
-          <a:xfrm>
-            <a:off x="381000" y="685800"/>
-            <a:ext cx="6096000" cy="3429000"/>
-          </a:xfrm>
-          <a:custGeom>
-            <a:avLst/>
-            <a:gdLst/>
-            <a:ahLst/>
-            <a:cxnLst/>
-            <a:rect l="l" t="t" r="r" b="b"/>
-            <a:pathLst>
-              <a:path w="120000" h="120000" extrusionOk="0">
-                <a:moveTo>
-                  <a:pt x="0" y="0"/>
-                </a:moveTo>
-                <a:lnTo>
-                  <a:pt x="120000" y="0"/>
-                </a:lnTo>
-                <a:lnTo>
-                  <a:pt x="120000" y="120000"/>
-                </a:lnTo>
-                <a:lnTo>
-                  <a:pt x="0" y="120000"/>
-                </a:lnTo>
-                <a:close/>
-              </a:path>
-            </a:pathLst>
-          </a:custGeom>
-        </p:spPr>
-      </p:sp>
-      <p:sp>
-        <p:nvSpPr>
-          <p:cNvPr id="99" name="Google Shape;99;g2546aa1b3b_0_45:notes"/>
-          <p:cNvSpPr txBox="1">
-            <a:spLocks noGrp="1"/>
-          </p:cNvSpPr>
-          <p:nvPr>
-            <p:ph type="body" idx="1"/>
-          </p:nvPr>
-        </p:nvSpPr>
-        <p:spPr>
-          <a:xfrm>
-            <a:off x="685800" y="4343400"/>
-            <a:ext cx="5486400" cy="4114800"/>
-          </a:xfrm>
-          <a:prstGeom prst="rect">
-            <a:avLst/>
-          </a:prstGeom>
-        </p:spPr>
-        <p:txBody>
-          <a:bodyPr spcFirstLastPara="1" wrap="square" lIns="91425" tIns="91425" rIns="91425" bIns="91425" anchor="t" anchorCtr="0">
-            <a:noAutofit/>
-          </a:bodyPr>
-          <a:lstStyle/>
-          <a:p>
-            <a:pPr marL="0" lvl="0" indent="0" algn="l" rtl="0">
-              <a:spcBef>
-                <a:spcPts val="0"/>
-              </a:spcBef>
-              <a:spcAft>
-                <a:spcPts val="0"/>
-              </a:spcAft>
-              <a:buNone/>
-            </a:pPr>
-            <a:endParaRPr dirty="0"/>
-          </a:p>
-        </p:txBody>
-      </p:sp>
-    </p:spTree>
-    <p:extLst>
-      <p:ext uri="{BB962C8B-B14F-4D97-AF65-F5344CB8AC3E}">
-        <p14:creationId xmlns:p14="http://schemas.microsoft.com/office/powerpoint/2010/main" val="1388547338"/>
+        <p14:creationId xmlns:p14="http://schemas.microsoft.com/office/powerpoint/2010/main" val="2943657418"/>
       </p:ext>
     </p:extLst>
   </p:cSld>
@@ -6087,8 +5977,8 @@
         </p:nvSpPr>
         <p:spPr>
           <a:xfrm>
-            <a:off x="1882177" y="2825575"/>
-            <a:ext cx="1002600" cy="531600"/>
+            <a:off x="3806563" y="2304306"/>
+            <a:ext cx="1530874" cy="811702"/>
           </a:xfrm>
           <a:prstGeom prst="roundRect">
             <a:avLst>
@@ -6135,18 +6025,18 @@
               <a:buNone/>
             </a:pPr>
             <a:r>
-              <a:rPr lang="pt-BR" sz="1000" dirty="0" err="1"/>
+              <a:rPr lang="pt-BR" dirty="0" err="1"/>
               <a:t>Draco</a:t>
             </a:r>
             <a:r>
-              <a:rPr lang="pt-BR" sz="1000" dirty="0"/>
+              <a:rPr lang="pt-BR" dirty="0"/>
               <a:t> </a:t>
             </a:r>
             <a:r>
-              <a:rPr lang="pt-BR" sz="1000" dirty="0" err="1"/>
+              <a:rPr lang="pt-BR" dirty="0" err="1"/>
               <a:t>Tattoo</a:t>
             </a:r>
-            <a:endParaRPr sz="1000" dirty="0"/>
+            <a:endParaRPr dirty="0"/>
           </a:p>
         </p:txBody>
       </p:sp>
@@ -6158,7 +6048,7 @@
         </p:nvGrpSpPr>
         <p:grpSpPr>
           <a:xfrm>
-            <a:off x="454177" y="3286976"/>
+            <a:off x="1102763" y="2304306"/>
             <a:ext cx="822600" cy="830488"/>
             <a:chOff x="6787875" y="3204287"/>
             <a:chExt cx="822600" cy="830488"/>
@@ -6374,298 +6264,16 @@
           </p:txBody>
         </p:sp>
       </p:grpSp>
-      <p:grpSp>
-        <p:nvGrpSpPr>
-          <p:cNvPr id="64" name="Google Shape;64;p13"/>
-          <p:cNvGrpSpPr/>
-          <p:nvPr/>
-        </p:nvGrpSpPr>
-        <p:grpSpPr>
-          <a:xfrm>
-            <a:off x="354877" y="1497565"/>
-            <a:ext cx="1021200" cy="830484"/>
-            <a:chOff x="2852000" y="3424900"/>
-            <a:chExt cx="1021200" cy="830484"/>
-          </a:xfrm>
-        </p:grpSpPr>
-        <p:grpSp>
-          <p:nvGrpSpPr>
-            <p:cNvPr id="65" name="Google Shape;65;p13"/>
-            <p:cNvGrpSpPr/>
-            <p:nvPr/>
-          </p:nvGrpSpPr>
-          <p:grpSpPr>
-            <a:xfrm>
-              <a:off x="3206355" y="3424900"/>
-              <a:ext cx="308885" cy="587736"/>
-              <a:chOff x="1499725" y="1450825"/>
-              <a:chExt cx="497400" cy="843600"/>
-            </a:xfrm>
-          </p:grpSpPr>
-          <p:sp>
-            <p:nvSpPr>
-              <p:cNvPr id="66" name="Google Shape;66;p13"/>
-              <p:cNvSpPr/>
-              <p:nvPr/>
-            </p:nvSpPr>
-            <p:spPr>
-              <a:xfrm>
-                <a:off x="1597825" y="1450825"/>
-                <a:ext cx="313200" cy="281400"/>
-              </a:xfrm>
-              <a:prstGeom prst="flowChartConnector">
-                <a:avLst/>
-              </a:prstGeom>
-              <a:solidFill>
-                <a:srgbClr val="EEEEEE"/>
-              </a:solidFill>
-              <a:ln w="9525" cap="flat" cmpd="sng">
-                <a:solidFill>
-                  <a:srgbClr val="595959"/>
-                </a:solidFill>
-                <a:prstDash val="solid"/>
-                <a:round/>
-                <a:headEnd type="none" w="sm" len="sm"/>
-                <a:tailEnd type="none" w="sm" len="sm"/>
-              </a:ln>
-            </p:spPr>
-            <p:txBody>
-              <a:bodyPr spcFirstLastPara="1" wrap="square" lIns="91425" tIns="91425" rIns="91425" bIns="91425" anchor="ctr" anchorCtr="0">
-                <a:noAutofit/>
-              </a:bodyPr>
-              <a:lstStyle/>
-              <a:p>
-                <a:pPr marL="0" lvl="0" indent="0" algn="l" rtl="0">
-                  <a:spcBef>
-                    <a:spcPts val="0"/>
-                  </a:spcBef>
-                  <a:spcAft>
-                    <a:spcPts val="0"/>
-                  </a:spcAft>
-                  <a:buNone/>
-                </a:pPr>
-                <a:endParaRPr dirty="0"/>
-              </a:p>
-            </p:txBody>
-          </p:sp>
-          <p:cxnSp>
-            <p:nvCxnSpPr>
-              <p:cNvPr id="67" name="Google Shape;67;p13"/>
-              <p:cNvCxnSpPr>
-                <a:stCxn id="66" idx="4"/>
-              </p:cNvCxnSpPr>
-              <p:nvPr/>
-            </p:nvCxnSpPr>
-            <p:spPr>
-              <a:xfrm flipH="1">
-                <a:off x="1748725" y="1732225"/>
-                <a:ext cx="5700" cy="293100"/>
-              </a:xfrm>
-              <a:prstGeom prst="straightConnector1">
-                <a:avLst/>
-              </a:prstGeom>
-              <a:noFill/>
-              <a:ln w="9525" cap="flat" cmpd="sng">
-                <a:solidFill>
-                  <a:srgbClr val="595959"/>
-                </a:solidFill>
-                <a:prstDash val="solid"/>
-                <a:round/>
-                <a:headEnd type="none" w="med" len="med"/>
-                <a:tailEnd type="none" w="med" len="med"/>
-              </a:ln>
-            </p:spPr>
-          </p:cxnSp>
-          <p:cxnSp>
-            <p:nvCxnSpPr>
-              <p:cNvPr id="68" name="Google Shape;68;p13"/>
-              <p:cNvCxnSpPr/>
-              <p:nvPr/>
-            </p:nvCxnSpPr>
-            <p:spPr>
-              <a:xfrm>
-                <a:off x="1527475" y="1858775"/>
-                <a:ext cx="453900" cy="1800"/>
-              </a:xfrm>
-              <a:prstGeom prst="straightConnector1">
-                <a:avLst/>
-              </a:prstGeom>
-              <a:noFill/>
-              <a:ln w="9525" cap="flat" cmpd="sng">
-                <a:solidFill>
-                  <a:srgbClr val="595959"/>
-                </a:solidFill>
-                <a:prstDash val="solid"/>
-                <a:round/>
-                <a:headEnd type="none" w="med" len="med"/>
-                <a:tailEnd type="none" w="med" len="med"/>
-              </a:ln>
-            </p:spPr>
-          </p:cxnSp>
-          <p:cxnSp>
-            <p:nvCxnSpPr>
-              <p:cNvPr id="69" name="Google Shape;69;p13"/>
-              <p:cNvCxnSpPr/>
-              <p:nvPr/>
-            </p:nvCxnSpPr>
-            <p:spPr>
-              <a:xfrm flipH="1">
-                <a:off x="1499725" y="2022925"/>
-                <a:ext cx="248700" cy="271500"/>
-              </a:xfrm>
-              <a:prstGeom prst="straightConnector1">
-                <a:avLst/>
-              </a:prstGeom>
-              <a:noFill/>
-              <a:ln w="9525" cap="flat" cmpd="sng">
-                <a:solidFill>
-                  <a:srgbClr val="595959"/>
-                </a:solidFill>
-                <a:prstDash val="solid"/>
-                <a:round/>
-                <a:headEnd type="none" w="med" len="med"/>
-                <a:tailEnd type="none" w="med" len="med"/>
-              </a:ln>
-            </p:spPr>
-          </p:cxnSp>
-          <p:cxnSp>
-            <p:nvCxnSpPr>
-              <p:cNvPr id="70" name="Google Shape;70;p13"/>
-              <p:cNvCxnSpPr/>
-              <p:nvPr/>
-            </p:nvCxnSpPr>
-            <p:spPr>
-              <a:xfrm rot="10800000">
-                <a:off x="1748425" y="2022925"/>
-                <a:ext cx="248700" cy="271500"/>
-              </a:xfrm>
-              <a:prstGeom prst="straightConnector1">
-                <a:avLst/>
-              </a:prstGeom>
-              <a:noFill/>
-              <a:ln w="9525" cap="flat" cmpd="sng">
-                <a:solidFill>
-                  <a:srgbClr val="595959"/>
-                </a:solidFill>
-                <a:prstDash val="solid"/>
-                <a:round/>
-                <a:headEnd type="none" w="med" len="med"/>
-                <a:tailEnd type="none" w="med" len="med"/>
-              </a:ln>
-            </p:spPr>
-          </p:cxnSp>
-        </p:grpSp>
-        <p:sp>
-          <p:nvSpPr>
-            <p:cNvPr id="71" name="Google Shape;71;p13"/>
-            <p:cNvSpPr txBox="1"/>
-            <p:nvPr/>
-          </p:nvSpPr>
-          <p:spPr>
-            <a:xfrm>
-              <a:off x="2852000" y="3912484"/>
-              <a:ext cx="1021200" cy="342900"/>
-            </a:xfrm>
-            <a:prstGeom prst="rect">
-              <a:avLst/>
-            </a:prstGeom>
-            <a:noFill/>
-            <a:ln>
-              <a:noFill/>
-            </a:ln>
-          </p:spPr>
-          <p:txBody>
-            <a:bodyPr spcFirstLastPara="1" wrap="square" lIns="91425" tIns="91425" rIns="91425" bIns="91425" anchor="t" anchorCtr="0">
-              <a:noAutofit/>
-            </a:bodyPr>
-            <a:lstStyle/>
-            <a:p>
-              <a:pPr marL="0" lvl="0" indent="0" algn="ctr" rtl="0">
-                <a:spcBef>
-                  <a:spcPts val="0"/>
-                </a:spcBef>
-                <a:spcAft>
-                  <a:spcPts val="0"/>
-                </a:spcAft>
-                <a:buNone/>
-              </a:pPr>
-              <a:r>
-                <a:rPr lang="pt-BR" sz="1200" b="1" dirty="0"/>
-                <a:t>Tatuador</a:t>
-              </a:r>
-              <a:endParaRPr sz="1200" b="1" dirty="0"/>
-            </a:p>
-          </p:txBody>
-        </p:sp>
-      </p:grpSp>
-      <p:cxnSp>
-        <p:nvCxnSpPr>
-          <p:cNvPr id="72" name="Google Shape;72;p13"/>
-          <p:cNvCxnSpPr>
-            <a:stCxn id="71" idx="3"/>
-            <a:endCxn id="55" idx="0"/>
-          </p:cNvCxnSpPr>
-          <p:nvPr/>
-        </p:nvCxnSpPr>
-        <p:spPr>
-          <a:xfrm>
-            <a:off x="1376077" y="2156599"/>
-            <a:ext cx="1007400" cy="669000"/>
-          </a:xfrm>
-          <a:prstGeom prst="curvedConnector2">
-            <a:avLst/>
-          </a:prstGeom>
-          <a:noFill/>
-          <a:ln w="9525" cap="flat" cmpd="sng">
-            <a:solidFill>
-              <a:schemeClr val="dk2"/>
-            </a:solidFill>
-            <a:prstDash val="solid"/>
-            <a:round/>
-            <a:headEnd type="none" w="med" len="med"/>
-            <a:tailEnd type="none" w="med" len="med"/>
-          </a:ln>
-        </p:spPr>
-      </p:cxnSp>
-      <p:cxnSp>
-        <p:nvCxnSpPr>
-          <p:cNvPr id="73" name="Google Shape;73;p13"/>
-          <p:cNvCxnSpPr>
-            <a:stCxn id="63" idx="3"/>
-            <a:endCxn id="55" idx="2"/>
-          </p:cNvCxnSpPr>
-          <p:nvPr/>
-        </p:nvCxnSpPr>
-        <p:spPr>
-          <a:xfrm rot="10800000" flipH="1">
-            <a:off x="1276777" y="3357113"/>
-            <a:ext cx="1106700" cy="588900"/>
-          </a:xfrm>
-          <a:prstGeom prst="curvedConnector2">
-            <a:avLst/>
-          </a:prstGeom>
-          <a:noFill/>
-          <a:ln w="9525" cap="flat" cmpd="sng">
-            <a:solidFill>
-              <a:schemeClr val="dk2"/>
-            </a:solidFill>
-            <a:prstDash val="solid"/>
-            <a:round/>
-            <a:headEnd type="none" w="med" len="med"/>
-            <a:tailEnd type="none" w="med" len="med"/>
-          </a:ln>
-        </p:spPr>
-      </p:cxnSp>
       <p:sp>
         <p:nvSpPr>
-          <p:cNvPr id="74" name="Google Shape;74;p13"/>
+          <p:cNvPr id="75" name="Google Shape;75;p13"/>
           <p:cNvSpPr txBox="1"/>
           <p:nvPr/>
         </p:nvSpPr>
         <p:spPr>
           <a:xfrm>
-            <a:off x="2170800" y="1516676"/>
-            <a:ext cx="3033900" cy="639923"/>
+            <a:off x="1864621" y="3650438"/>
+            <a:ext cx="1743848" cy="811702"/>
           </a:xfrm>
           <a:prstGeom prst="rect">
             <a:avLst/>
@@ -6688,9 +6296,6 @@
               <a:spcAft>
                 <a:spcPts val="0"/>
               </a:spcAft>
-              <a:buClr>
-                <a:schemeClr val="dk1"/>
-              </a:buClr>
               <a:buSzPts val="1000"/>
               <a:buChar char="❖"/>
             </a:pPr>
@@ -6700,7 +6305,7 @@
                   <a:schemeClr val="dk1"/>
                 </a:solidFill>
               </a:rPr>
-              <a:t>Realizar orçamento</a:t>
+              <a:t>Consulta Tatuador</a:t>
             </a:r>
           </a:p>
           <a:p>
@@ -6711,9 +6316,6 @@
               <a:spcAft>
                 <a:spcPts val="0"/>
               </a:spcAft>
-              <a:buClr>
-                <a:schemeClr val="dk1"/>
-              </a:buClr>
               <a:buSzPts val="1000"/>
               <a:buChar char="❖"/>
             </a:pPr>
@@ -6723,7 +6325,7 @@
                   <a:schemeClr val="dk1"/>
                 </a:solidFill>
               </a:rPr>
-              <a:t>Fechar contrato</a:t>
+              <a:t>Obter Orçamento</a:t>
             </a:r>
           </a:p>
           <a:p>
@@ -6734,9 +6336,6 @@
               <a:spcAft>
                 <a:spcPts val="0"/>
               </a:spcAft>
-              <a:buClr>
-                <a:schemeClr val="dk1"/>
-              </a:buClr>
               <a:buSzPts val="1000"/>
               <a:buChar char="❖"/>
             </a:pPr>
@@ -6746,55 +6345,9 @@
                   <a:schemeClr val="dk1"/>
                 </a:solidFill>
               </a:rPr>
-              <a:t>Realizar serviço  </a:t>
+              <a:t>Agendar Serviço</a:t>
             </a:r>
           </a:p>
-          <a:p>
-            <a:pPr marL="457200" lvl="0" indent="-292100" algn="l" rtl="0">
-              <a:spcBef>
-                <a:spcPts val="0"/>
-              </a:spcBef>
-              <a:spcAft>
-                <a:spcPts val="0"/>
-              </a:spcAft>
-              <a:buClr>
-                <a:schemeClr val="dk1"/>
-              </a:buClr>
-              <a:buSzPts val="1000"/>
-              <a:buChar char="❖"/>
-            </a:pPr>
-            <a:endParaRPr sz="1000" dirty="0">
-              <a:solidFill>
-                <a:schemeClr val="dk1"/>
-              </a:solidFill>
-            </a:endParaRPr>
-          </a:p>
-        </p:txBody>
-      </p:sp>
-      <p:sp>
-        <p:nvSpPr>
-          <p:cNvPr id="75" name="Google Shape;75;p13"/>
-          <p:cNvSpPr txBox="1"/>
-          <p:nvPr/>
-        </p:nvSpPr>
-        <p:spPr>
-          <a:xfrm>
-            <a:off x="2170800" y="3547250"/>
-            <a:ext cx="3033900" cy="830400"/>
-          </a:xfrm>
-          <a:prstGeom prst="rect">
-            <a:avLst/>
-          </a:prstGeom>
-          <a:noFill/>
-          <a:ln>
-            <a:noFill/>
-          </a:ln>
-        </p:spPr>
-        <p:txBody>
-          <a:bodyPr spcFirstLastPara="1" wrap="square" lIns="91425" tIns="91425" rIns="91425" bIns="91425" anchor="t" anchorCtr="0">
-            <a:noAutofit/>
-          </a:bodyPr>
-          <a:lstStyle/>
           <a:p>
             <a:pPr marL="457200" lvl="0" indent="-292100" algn="l" rtl="0">
               <a:spcBef>
@@ -6812,51 +6365,54 @@
                   <a:schemeClr val="dk1"/>
                 </a:solidFill>
               </a:rPr>
-              <a:t>Obter orçamento</a:t>
-            </a:r>
-          </a:p>
-          <a:p>
-            <a:pPr marL="457200" lvl="0" indent="-292100" algn="l" rtl="0">
-              <a:spcBef>
-                <a:spcPts val="0"/>
-              </a:spcBef>
-              <a:spcAft>
-                <a:spcPts val="0"/>
-              </a:spcAft>
-              <a:buSzPts val="1000"/>
-              <a:buChar char="❖"/>
-            </a:pPr>
-            <a:r>
-              <a:rPr lang="pt-BR" sz="1000" dirty="0">
-                <a:solidFill>
-                  <a:schemeClr val="dk1"/>
-                </a:solidFill>
-              </a:rPr>
-              <a:t>Agendar serviço</a:t>
-            </a:r>
-          </a:p>
-          <a:p>
-            <a:pPr marL="457200" lvl="0" indent="-292100" algn="l" rtl="0">
-              <a:spcBef>
-                <a:spcPts val="0"/>
-              </a:spcBef>
-              <a:spcAft>
-                <a:spcPts val="0"/>
-              </a:spcAft>
-              <a:buSzPts val="1000"/>
-              <a:buChar char="❖"/>
-            </a:pPr>
-            <a:r>
-              <a:rPr lang="pt-BR" sz="1000" dirty="0">
-                <a:solidFill>
-                  <a:schemeClr val="dk1"/>
-                </a:solidFill>
-              </a:rPr>
-              <a:t>Receber serviço</a:t>
+              <a:t>Receber Serviço</a:t>
             </a:r>
           </a:p>
         </p:txBody>
       </p:sp>
+      <p:cxnSp>
+        <p:nvCxnSpPr>
+          <p:cNvPr id="10" name="Conector reto 9">
+            <a:extLst>
+              <a:ext uri="{FF2B5EF4-FFF2-40B4-BE49-F238E27FC236}">
+                <a16:creationId xmlns:a16="http://schemas.microsoft.com/office/drawing/2014/main" id="{8034CE85-88C6-4D61-81AC-83FB97E074C5}"/>
+              </a:ext>
+            </a:extLst>
+          </p:cNvPr>
+          <p:cNvCxnSpPr>
+            <a:endCxn id="55" idx="1"/>
+          </p:cNvCxnSpPr>
+          <p:nvPr/>
+        </p:nvCxnSpPr>
+        <p:spPr>
+          <a:xfrm>
+            <a:off x="2062716" y="2710157"/>
+            <a:ext cx="1743847" cy="0"/>
+          </a:xfrm>
+          <a:prstGeom prst="line">
+            <a:avLst/>
+          </a:prstGeom>
+          <a:ln>
+            <a:solidFill>
+              <a:schemeClr val="tx1"/>
+            </a:solidFill>
+          </a:ln>
+        </p:spPr>
+        <p:style>
+          <a:lnRef idx="1">
+            <a:schemeClr val="accent1"/>
+          </a:lnRef>
+          <a:fillRef idx="0">
+            <a:schemeClr val="accent1"/>
+          </a:fillRef>
+          <a:effectRef idx="0">
+            <a:schemeClr val="accent1"/>
+          </a:effectRef>
+          <a:fontRef idx="minor">
+            <a:schemeClr val="tx1"/>
+          </a:fontRef>
+        </p:style>
+      </p:cxnSp>
     </p:spTree>
   </p:cSld>
   <p:clrMapOvr>
@@ -6938,7 +6494,7 @@
         </p:nvSpPr>
         <p:spPr>
           <a:xfrm>
-            <a:off x="3659550" y="186275"/>
+            <a:off x="3615100" y="186275"/>
             <a:ext cx="1815000" cy="771900"/>
           </a:xfrm>
           <a:prstGeom prst="wave">
@@ -7214,40 +6770,6 @@
           </p:txBody>
         </p:sp>
       </p:grpSp>
-      <p:cxnSp>
-        <p:nvCxnSpPr>
-          <p:cNvPr id="111" name="Google Shape;111;p15"/>
-          <p:cNvCxnSpPr>
-            <a:cxnSpLocks/>
-            <a:stCxn id="112" idx="0"/>
-            <a:endCxn id="102" idx="2"/>
-          </p:cNvCxnSpPr>
-          <p:nvPr/>
-        </p:nvCxnSpPr>
-        <p:spPr>
-          <a:xfrm rot="5400000" flipH="1" flipV="1">
-            <a:off x="3883418" y="1155156"/>
-            <a:ext cx="934638" cy="432626"/>
-          </a:xfrm>
-          <a:prstGeom prst="curvedConnector5">
-            <a:avLst>
-              <a:gd name="adj1" fmla="val 47110"/>
-              <a:gd name="adj2" fmla="val 51212"/>
-              <a:gd name="adj3" fmla="val 73266"/>
-            </a:avLst>
-          </a:prstGeom>
-          <a:noFill/>
-          <a:ln w="9525" cap="flat" cmpd="sng">
-            <a:solidFill>
-              <a:schemeClr val="dk2"/>
-            </a:solidFill>
-            <a:prstDash val="solid"/>
-            <a:round/>
-            <a:headEnd type="none" w="med" len="med"/>
-            <a:tailEnd type="none" w="med" len="med"/>
-          </a:ln>
-        </p:spPr>
-      </p:cxnSp>
       <p:sp>
         <p:nvSpPr>
           <p:cNvPr id="113" name="Google Shape;113;p15"/>
@@ -7298,292 +6820,6 @@
       </p:sp>
       <p:cxnSp>
         <p:nvCxnSpPr>
-          <p:cNvPr id="114" name="Google Shape;114;p15"/>
-          <p:cNvCxnSpPr>
-            <a:stCxn id="105" idx="0"/>
-            <a:endCxn id="102" idx="2"/>
-          </p:cNvCxnSpPr>
-          <p:nvPr/>
-        </p:nvCxnSpPr>
-        <p:spPr>
-          <a:xfrm rot="-5400000">
-            <a:off x="2790151" y="111815"/>
-            <a:ext cx="984600" cy="2569200"/>
-          </a:xfrm>
-          <a:prstGeom prst="curvedConnector3">
-            <a:avLst>
-              <a:gd name="adj1" fmla="val 47358"/>
-            </a:avLst>
-          </a:prstGeom>
-          <a:noFill/>
-          <a:ln w="9525" cap="flat" cmpd="sng">
-            <a:solidFill>
-              <a:schemeClr val="dk2"/>
-            </a:solidFill>
-            <a:prstDash val="solid"/>
-            <a:round/>
-            <a:headEnd type="none" w="med" len="med"/>
-            <a:tailEnd type="none" w="med" len="med"/>
-          </a:ln>
-        </p:spPr>
-      </p:cxnSp>
-      <p:grpSp>
-        <p:nvGrpSpPr>
-          <p:cNvPr id="115" name="Google Shape;115;p15"/>
-          <p:cNvGrpSpPr/>
-          <p:nvPr/>
-        </p:nvGrpSpPr>
-        <p:grpSpPr>
-          <a:xfrm>
-            <a:off x="6116076" y="1714176"/>
-            <a:ext cx="897119" cy="830488"/>
-            <a:chOff x="6787874" y="3204287"/>
-            <a:chExt cx="897119" cy="830488"/>
-          </a:xfrm>
-        </p:grpSpPr>
-        <p:grpSp>
-          <p:nvGrpSpPr>
-            <p:cNvPr id="116" name="Google Shape;116;p15"/>
-            <p:cNvGrpSpPr/>
-            <p:nvPr/>
-          </p:nvGrpSpPr>
-          <p:grpSpPr>
-            <a:xfrm>
-              <a:off x="7044733" y="3204287"/>
-              <a:ext cx="308885" cy="587736"/>
-              <a:chOff x="1499725" y="1450825"/>
-              <a:chExt cx="497400" cy="843600"/>
-            </a:xfrm>
-          </p:grpSpPr>
-          <p:sp>
-            <p:nvSpPr>
-              <p:cNvPr id="117" name="Google Shape;117;p15"/>
-              <p:cNvSpPr/>
-              <p:nvPr/>
-            </p:nvSpPr>
-            <p:spPr>
-              <a:xfrm>
-                <a:off x="1597825" y="1450825"/>
-                <a:ext cx="313200" cy="281400"/>
-              </a:xfrm>
-              <a:prstGeom prst="flowChartConnector">
-                <a:avLst/>
-              </a:prstGeom>
-              <a:solidFill>
-                <a:srgbClr val="EEEEEE"/>
-              </a:solidFill>
-              <a:ln w="9525" cap="flat" cmpd="sng">
-                <a:solidFill>
-                  <a:srgbClr val="595959"/>
-                </a:solidFill>
-                <a:prstDash val="solid"/>
-                <a:round/>
-                <a:headEnd type="none" w="sm" len="sm"/>
-                <a:tailEnd type="none" w="sm" len="sm"/>
-              </a:ln>
-            </p:spPr>
-            <p:txBody>
-              <a:bodyPr spcFirstLastPara="1" wrap="square" lIns="91425" tIns="91425" rIns="91425" bIns="91425" anchor="ctr" anchorCtr="0">
-                <a:noAutofit/>
-              </a:bodyPr>
-              <a:lstStyle/>
-              <a:p>
-                <a:pPr marL="0" lvl="0" indent="0" algn="l" rtl="0">
-                  <a:spcBef>
-                    <a:spcPts val="0"/>
-                  </a:spcBef>
-                  <a:spcAft>
-                    <a:spcPts val="0"/>
-                  </a:spcAft>
-                  <a:buNone/>
-                </a:pPr>
-                <a:endParaRPr dirty="0"/>
-              </a:p>
-            </p:txBody>
-          </p:sp>
-          <p:cxnSp>
-            <p:nvCxnSpPr>
-              <p:cNvPr id="118" name="Google Shape;118;p15"/>
-              <p:cNvCxnSpPr>
-                <a:stCxn id="117" idx="4"/>
-              </p:cNvCxnSpPr>
-              <p:nvPr/>
-            </p:nvCxnSpPr>
-            <p:spPr>
-              <a:xfrm flipH="1">
-                <a:off x="1748725" y="1732225"/>
-                <a:ext cx="5700" cy="293100"/>
-              </a:xfrm>
-              <a:prstGeom prst="straightConnector1">
-                <a:avLst/>
-              </a:prstGeom>
-              <a:noFill/>
-              <a:ln w="9525" cap="flat" cmpd="sng">
-                <a:solidFill>
-                  <a:srgbClr val="595959"/>
-                </a:solidFill>
-                <a:prstDash val="solid"/>
-                <a:round/>
-                <a:headEnd type="none" w="med" len="med"/>
-                <a:tailEnd type="none" w="med" len="med"/>
-              </a:ln>
-            </p:spPr>
-          </p:cxnSp>
-          <p:cxnSp>
-            <p:nvCxnSpPr>
-              <p:cNvPr id="119" name="Google Shape;119;p15"/>
-              <p:cNvCxnSpPr/>
-              <p:nvPr/>
-            </p:nvCxnSpPr>
-            <p:spPr>
-              <a:xfrm>
-                <a:off x="1527475" y="1858775"/>
-                <a:ext cx="453900" cy="1800"/>
-              </a:xfrm>
-              <a:prstGeom prst="straightConnector1">
-                <a:avLst/>
-              </a:prstGeom>
-              <a:noFill/>
-              <a:ln w="9525" cap="flat" cmpd="sng">
-                <a:solidFill>
-                  <a:srgbClr val="595959"/>
-                </a:solidFill>
-                <a:prstDash val="solid"/>
-                <a:round/>
-                <a:headEnd type="none" w="med" len="med"/>
-                <a:tailEnd type="none" w="med" len="med"/>
-              </a:ln>
-            </p:spPr>
-          </p:cxnSp>
-          <p:cxnSp>
-            <p:nvCxnSpPr>
-              <p:cNvPr id="120" name="Google Shape;120;p15"/>
-              <p:cNvCxnSpPr/>
-              <p:nvPr/>
-            </p:nvCxnSpPr>
-            <p:spPr>
-              <a:xfrm flipH="1">
-                <a:off x="1499725" y="2022925"/>
-                <a:ext cx="248700" cy="271500"/>
-              </a:xfrm>
-              <a:prstGeom prst="straightConnector1">
-                <a:avLst/>
-              </a:prstGeom>
-              <a:noFill/>
-              <a:ln w="9525" cap="flat" cmpd="sng">
-                <a:solidFill>
-                  <a:srgbClr val="595959"/>
-                </a:solidFill>
-                <a:prstDash val="solid"/>
-                <a:round/>
-                <a:headEnd type="none" w="med" len="med"/>
-                <a:tailEnd type="none" w="med" len="med"/>
-              </a:ln>
-            </p:spPr>
-          </p:cxnSp>
-          <p:cxnSp>
-            <p:nvCxnSpPr>
-              <p:cNvPr id="121" name="Google Shape;121;p15"/>
-              <p:cNvCxnSpPr/>
-              <p:nvPr/>
-            </p:nvCxnSpPr>
-            <p:spPr>
-              <a:xfrm rot="10800000">
-                <a:off x="1748425" y="2022925"/>
-                <a:ext cx="248700" cy="271500"/>
-              </a:xfrm>
-              <a:prstGeom prst="straightConnector1">
-                <a:avLst/>
-              </a:prstGeom>
-              <a:noFill/>
-              <a:ln w="9525" cap="flat" cmpd="sng">
-                <a:solidFill>
-                  <a:srgbClr val="595959"/>
-                </a:solidFill>
-                <a:prstDash val="solid"/>
-                <a:round/>
-                <a:headEnd type="none" w="med" len="med"/>
-                <a:tailEnd type="none" w="med" len="med"/>
-              </a:ln>
-            </p:spPr>
-          </p:cxnSp>
-        </p:grpSp>
-        <p:sp>
-          <p:nvSpPr>
-            <p:cNvPr id="122" name="Google Shape;122;p15"/>
-            <p:cNvSpPr txBox="1"/>
-            <p:nvPr/>
-          </p:nvSpPr>
-          <p:spPr>
-            <a:xfrm>
-              <a:off x="6787874" y="3691875"/>
-              <a:ext cx="897119" cy="342900"/>
-            </a:xfrm>
-            <a:prstGeom prst="rect">
-              <a:avLst/>
-            </a:prstGeom>
-            <a:noFill/>
-            <a:ln>
-              <a:noFill/>
-            </a:ln>
-          </p:spPr>
-          <p:txBody>
-            <a:bodyPr spcFirstLastPara="1" wrap="square" lIns="91425" tIns="91425" rIns="91425" bIns="91425" anchor="t" anchorCtr="0">
-              <a:noAutofit/>
-            </a:bodyPr>
-            <a:lstStyle/>
-            <a:p>
-              <a:pPr marL="0" lvl="0" indent="0" algn="ctr" rtl="0">
-                <a:spcBef>
-                  <a:spcPts val="0"/>
-                </a:spcBef>
-                <a:spcAft>
-                  <a:spcPts val="0"/>
-                </a:spcAft>
-                <a:buNone/>
-              </a:pPr>
-              <a:r>
-                <a:rPr lang="pt-BR" sz="1200" b="1" dirty="0"/>
-                <a:t>Tatuador</a:t>
-              </a:r>
-              <a:endParaRPr sz="1200" b="1" dirty="0"/>
-            </a:p>
-          </p:txBody>
-        </p:sp>
-      </p:grpSp>
-      <p:cxnSp>
-        <p:nvCxnSpPr>
-          <p:cNvPr id="123" name="Google Shape;123;p15"/>
-          <p:cNvCxnSpPr>
-            <a:stCxn id="117" idx="0"/>
-            <a:endCxn id="102" idx="2"/>
-          </p:cNvCxnSpPr>
-          <p:nvPr/>
-        </p:nvCxnSpPr>
-        <p:spPr>
-          <a:xfrm rot="5400000" flipH="1">
-            <a:off x="5144053" y="327126"/>
-            <a:ext cx="810000" cy="1964100"/>
-          </a:xfrm>
-          <a:prstGeom prst="curvedConnector3">
-            <a:avLst>
-              <a:gd name="adj1" fmla="val 46793"/>
-            </a:avLst>
-          </a:prstGeom>
-          <a:noFill/>
-          <a:ln w="9525" cap="flat" cmpd="sng">
-            <a:solidFill>
-              <a:schemeClr val="dk2"/>
-            </a:solidFill>
-            <a:prstDash val="solid"/>
-            <a:round/>
-            <a:headEnd type="none" w="med" len="med"/>
-            <a:tailEnd type="none" w="med" len="med"/>
-          </a:ln>
-        </p:spPr>
-      </p:cxnSp>
-      <p:cxnSp>
-        <p:nvCxnSpPr>
           <p:cNvPr id="124" name="Google Shape;124;p15"/>
           <p:cNvCxnSpPr>
             <a:cxnSpLocks/>
@@ -7594,8 +6830,8 @@
         </p:nvCxnSpPr>
         <p:spPr>
           <a:xfrm rot="16200000" flipH="1">
-            <a:off x="3890118" y="2614693"/>
-            <a:ext cx="1162012" cy="673401"/>
+            <a:off x="4098678" y="2823252"/>
+            <a:ext cx="1131937" cy="286358"/>
           </a:xfrm>
           <a:prstGeom prst="curvedConnector2">
             <a:avLst/>
@@ -7655,7 +6891,7 @@
             </a:pPr>
             <a:r>
               <a:rPr lang="pt-BR" sz="1000" dirty="0"/>
-              <a:t>Realizar orçamento</a:t>
+              <a:t>Consultar Tatuador</a:t>
             </a:r>
           </a:p>
           <a:p>
@@ -7671,7 +6907,7 @@
             </a:pPr>
             <a:r>
               <a:rPr lang="pt-BR" sz="1000" dirty="0"/>
-              <a:t>Obter orçamento</a:t>
+              <a:t>Obter Orçamento</a:t>
             </a:r>
             <a:endParaRPr sz="1000" dirty="0"/>
           </a:p>
@@ -7685,7 +6921,7 @@
         </p:nvSpPr>
         <p:spPr>
           <a:xfrm>
-            <a:off x="3564401" y="1838788"/>
+            <a:off x="3951444" y="1868863"/>
             <a:ext cx="1140045" cy="531600"/>
           </a:xfrm>
           <a:prstGeom prst="roundRect">
@@ -7734,12 +6970,101 @@
             </a:pPr>
             <a:r>
               <a:rPr lang="pt-BR" sz="1000" dirty="0"/>
-              <a:t>Administração</a:t>
+              <a:t>Estúdio</a:t>
             </a:r>
             <a:endParaRPr sz="1000" dirty="0"/>
           </a:p>
         </p:txBody>
       </p:sp>
+      <p:cxnSp>
+        <p:nvCxnSpPr>
+          <p:cNvPr id="23" name="Conector reto 22">
+            <a:extLst>
+              <a:ext uri="{FF2B5EF4-FFF2-40B4-BE49-F238E27FC236}">
+                <a16:creationId xmlns:a16="http://schemas.microsoft.com/office/drawing/2014/main" id="{5592ECA4-BDB1-440B-83B7-78B4A4C76809}"/>
+              </a:ext>
+            </a:extLst>
+          </p:cNvPr>
+          <p:cNvCxnSpPr>
+            <a:cxnSpLocks/>
+            <a:stCxn id="112" idx="0"/>
+            <a:endCxn id="102" idx="2"/>
+          </p:cNvCxnSpPr>
+          <p:nvPr/>
+        </p:nvCxnSpPr>
+        <p:spPr>
+          <a:xfrm flipV="1">
+            <a:off x="4521467" y="904150"/>
+            <a:ext cx="1133" cy="964713"/>
+          </a:xfrm>
+          <a:prstGeom prst="line">
+            <a:avLst/>
+          </a:prstGeom>
+          <a:ln>
+            <a:solidFill>
+              <a:schemeClr val="tx1"/>
+            </a:solidFill>
+          </a:ln>
+        </p:spPr>
+        <p:style>
+          <a:lnRef idx="1">
+            <a:schemeClr val="accent1"/>
+          </a:lnRef>
+          <a:fillRef idx="0">
+            <a:schemeClr val="accent1"/>
+          </a:fillRef>
+          <a:effectRef idx="0">
+            <a:schemeClr val="accent1"/>
+          </a:effectRef>
+          <a:fontRef idx="minor">
+            <a:schemeClr val="tx1"/>
+          </a:fontRef>
+        </p:style>
+      </p:cxnSp>
+      <p:cxnSp>
+        <p:nvCxnSpPr>
+          <p:cNvPr id="28" name="Conector reto 27">
+            <a:extLst>
+              <a:ext uri="{FF2B5EF4-FFF2-40B4-BE49-F238E27FC236}">
+                <a16:creationId xmlns:a16="http://schemas.microsoft.com/office/drawing/2014/main" id="{5437FAC4-D15E-4642-BC3B-D929A39A931A}"/>
+              </a:ext>
+            </a:extLst>
+          </p:cNvPr>
+          <p:cNvCxnSpPr>
+            <a:cxnSpLocks/>
+            <a:stCxn id="102" idx="2"/>
+          </p:cNvCxnSpPr>
+          <p:nvPr/>
+        </p:nvCxnSpPr>
+        <p:spPr>
+          <a:xfrm flipH="1">
+            <a:off x="2291950" y="904150"/>
+            <a:ext cx="2230650" cy="1360200"/>
+          </a:xfrm>
+          <a:prstGeom prst="line">
+            <a:avLst/>
+          </a:prstGeom>
+          <a:ln>
+            <a:solidFill>
+              <a:schemeClr val="tx1"/>
+            </a:solidFill>
+          </a:ln>
+        </p:spPr>
+        <p:style>
+          <a:lnRef idx="1">
+            <a:schemeClr val="accent1"/>
+          </a:lnRef>
+          <a:fillRef idx="0">
+            <a:schemeClr val="accent1"/>
+          </a:fillRef>
+          <a:effectRef idx="0">
+            <a:schemeClr val="accent1"/>
+          </a:effectRef>
+          <a:fontRef idx="minor">
+            <a:schemeClr val="tx1"/>
+          </a:fontRef>
+        </p:style>
+      </p:cxnSp>
     </p:spTree>
     <p:extLst>
       <p:ext uri="{BB962C8B-B14F-4D97-AF65-F5344CB8AC3E}">
@@ -7826,7 +7151,7 @@
         </p:nvSpPr>
         <p:spPr>
           <a:xfrm>
-            <a:off x="3659550" y="186275"/>
+            <a:off x="3615100" y="186275"/>
             <a:ext cx="1815000" cy="771900"/>
           </a:xfrm>
           <a:prstGeom prst="wave">
@@ -7873,9 +7198,8 @@
                   <a:schemeClr val="dk1"/>
                 </a:solidFill>
               </a:rPr>
-              <a:t>Agendar serviço </a:t>
+              <a:t>Agenda serviço</a:t>
             </a:r>
-            <a:endParaRPr sz="1200" dirty="0"/>
           </a:p>
         </p:txBody>
       </p:sp>
@@ -8103,39 +7427,6 @@
           </p:txBody>
         </p:sp>
       </p:grpSp>
-      <p:cxnSp>
-        <p:nvCxnSpPr>
-          <p:cNvPr id="111" name="Google Shape;111;p15"/>
-          <p:cNvCxnSpPr>
-            <a:stCxn id="112" idx="0"/>
-            <a:endCxn id="102" idx="2"/>
-          </p:cNvCxnSpPr>
-          <p:nvPr/>
-        </p:nvCxnSpPr>
-        <p:spPr>
-          <a:xfrm rot="5400000" flipH="1" flipV="1">
-            <a:off x="3834606" y="1106344"/>
-            <a:ext cx="934638" cy="530250"/>
-          </a:xfrm>
-          <a:prstGeom prst="curvedConnector5">
-            <a:avLst>
-              <a:gd name="adj1" fmla="val 47110"/>
-              <a:gd name="adj2" fmla="val 85085"/>
-              <a:gd name="adj3" fmla="val 88556"/>
-            </a:avLst>
-          </a:prstGeom>
-          <a:noFill/>
-          <a:ln w="9525" cap="flat" cmpd="sng">
-            <a:solidFill>
-              <a:schemeClr val="dk2"/>
-            </a:solidFill>
-            <a:prstDash val="solid"/>
-            <a:round/>
-            <a:headEnd type="none" w="med" len="med"/>
-            <a:tailEnd type="none" w="med" len="med"/>
-          </a:ln>
-        </p:spPr>
-      </p:cxnSp>
       <p:sp>
         <p:nvSpPr>
           <p:cNvPr id="113" name="Google Shape;113;p15"/>
@@ -8186,39 +7477,9 @@
       </p:sp>
       <p:cxnSp>
         <p:nvCxnSpPr>
-          <p:cNvPr id="114" name="Google Shape;114;p15"/>
-          <p:cNvCxnSpPr>
-            <a:stCxn id="105" idx="0"/>
-            <a:endCxn id="102" idx="2"/>
-          </p:cNvCxnSpPr>
-          <p:nvPr/>
-        </p:nvCxnSpPr>
-        <p:spPr>
-          <a:xfrm rot="-5400000">
-            <a:off x="2790151" y="111815"/>
-            <a:ext cx="984600" cy="2569200"/>
-          </a:xfrm>
-          <a:prstGeom prst="curvedConnector3">
-            <a:avLst>
-              <a:gd name="adj1" fmla="val 47358"/>
-            </a:avLst>
-          </a:prstGeom>
-          <a:noFill/>
-          <a:ln w="9525" cap="flat" cmpd="sng">
-            <a:solidFill>
-              <a:schemeClr val="dk2"/>
-            </a:solidFill>
-            <a:prstDash val="solid"/>
-            <a:round/>
-            <a:headEnd type="none" w="med" len="med"/>
-            <a:tailEnd type="none" w="med" len="med"/>
-          </a:ln>
-        </p:spPr>
-      </p:cxnSp>
-      <p:cxnSp>
-        <p:nvCxnSpPr>
           <p:cNvPr id="124" name="Google Shape;124;p15"/>
           <p:cNvCxnSpPr>
+            <a:cxnSpLocks/>
             <a:stCxn id="112" idx="2"/>
             <a:endCxn id="125" idx="1"/>
           </p:cNvCxnSpPr>
@@ -8226,8 +7487,8 @@
         </p:nvCxnSpPr>
         <p:spPr>
           <a:xfrm rot="16200000" flipH="1">
-            <a:off x="3841306" y="2565881"/>
-            <a:ext cx="1162012" cy="771025"/>
+            <a:off x="4098678" y="2823252"/>
+            <a:ext cx="1131937" cy="286358"/>
           </a:xfrm>
           <a:prstGeom prst="curvedConnector2">
             <a:avLst/>
@@ -8253,7 +7514,7 @@
         <p:spPr>
           <a:xfrm>
             <a:off x="4807825" y="3266600"/>
-            <a:ext cx="1723200" cy="531600"/>
+            <a:ext cx="1873996" cy="531600"/>
           </a:xfrm>
           <a:prstGeom prst="bracketPair">
             <a:avLst/>
@@ -8287,9 +7548,8 @@
             </a:pPr>
             <a:r>
               <a:rPr lang="pt-BR" sz="1000" dirty="0"/>
-              <a:t>Agendar serviço</a:t>
+              <a:t>Agendar Serviço</a:t>
             </a:r>
-            <a:endParaRPr sz="1000" dirty="0"/>
           </a:p>
         </p:txBody>
       </p:sp>
@@ -8301,8 +7561,8 @@
         </p:nvSpPr>
         <p:spPr>
           <a:xfrm>
-            <a:off x="3506598" y="1838788"/>
-            <a:ext cx="1060404" cy="531600"/>
+            <a:off x="3951444" y="1868863"/>
+            <a:ext cx="1140045" cy="531600"/>
           </a:xfrm>
           <a:prstGeom prst="roundRect">
             <a:avLst>
@@ -8356,7 +7616,101 @@
           </a:p>
         </p:txBody>
       </p:sp>
+      <p:cxnSp>
+        <p:nvCxnSpPr>
+          <p:cNvPr id="23" name="Conector reto 22">
+            <a:extLst>
+              <a:ext uri="{FF2B5EF4-FFF2-40B4-BE49-F238E27FC236}">
+                <a16:creationId xmlns:a16="http://schemas.microsoft.com/office/drawing/2014/main" id="{5592ECA4-BDB1-440B-83B7-78B4A4C76809}"/>
+              </a:ext>
+            </a:extLst>
+          </p:cNvPr>
+          <p:cNvCxnSpPr>
+            <a:cxnSpLocks/>
+            <a:stCxn id="112" idx="0"/>
+            <a:endCxn id="102" idx="2"/>
+          </p:cNvCxnSpPr>
+          <p:nvPr/>
+        </p:nvCxnSpPr>
+        <p:spPr>
+          <a:xfrm flipV="1">
+            <a:off x="4521467" y="904150"/>
+            <a:ext cx="1133" cy="964713"/>
+          </a:xfrm>
+          <a:prstGeom prst="line">
+            <a:avLst/>
+          </a:prstGeom>
+          <a:ln>
+            <a:solidFill>
+              <a:schemeClr val="tx1"/>
+            </a:solidFill>
+          </a:ln>
+        </p:spPr>
+        <p:style>
+          <a:lnRef idx="1">
+            <a:schemeClr val="accent1"/>
+          </a:lnRef>
+          <a:fillRef idx="0">
+            <a:schemeClr val="accent1"/>
+          </a:fillRef>
+          <a:effectRef idx="0">
+            <a:schemeClr val="accent1"/>
+          </a:effectRef>
+          <a:fontRef idx="minor">
+            <a:schemeClr val="tx1"/>
+          </a:fontRef>
+        </p:style>
+      </p:cxnSp>
+      <p:cxnSp>
+        <p:nvCxnSpPr>
+          <p:cNvPr id="28" name="Conector reto 27">
+            <a:extLst>
+              <a:ext uri="{FF2B5EF4-FFF2-40B4-BE49-F238E27FC236}">
+                <a16:creationId xmlns:a16="http://schemas.microsoft.com/office/drawing/2014/main" id="{5437FAC4-D15E-4642-BC3B-D929A39A931A}"/>
+              </a:ext>
+            </a:extLst>
+          </p:cNvPr>
+          <p:cNvCxnSpPr>
+            <a:cxnSpLocks/>
+            <a:stCxn id="102" idx="2"/>
+          </p:cNvCxnSpPr>
+          <p:nvPr/>
+        </p:nvCxnSpPr>
+        <p:spPr>
+          <a:xfrm flipH="1">
+            <a:off x="2291950" y="904150"/>
+            <a:ext cx="2230650" cy="1360200"/>
+          </a:xfrm>
+          <a:prstGeom prst="line">
+            <a:avLst/>
+          </a:prstGeom>
+          <a:ln>
+            <a:solidFill>
+              <a:schemeClr val="tx1"/>
+            </a:solidFill>
+          </a:ln>
+        </p:spPr>
+        <p:style>
+          <a:lnRef idx="1">
+            <a:schemeClr val="accent1"/>
+          </a:lnRef>
+          <a:fillRef idx="0">
+            <a:schemeClr val="accent1"/>
+          </a:fillRef>
+          <a:effectRef idx="0">
+            <a:schemeClr val="accent1"/>
+          </a:effectRef>
+          <a:fontRef idx="minor">
+            <a:schemeClr val="tx1"/>
+          </a:fontRef>
+        </p:style>
+      </p:cxnSp>
     </p:spTree>
+    <p:extLst>
+      <p:ext uri="{BB962C8B-B14F-4D97-AF65-F5344CB8AC3E}">
+        <p14:creationId xmlns:p14="http://schemas.microsoft.com/office/powerpoint/2010/main" val="3602034086"/>
+      </p:ext>
+    </p:extLst>
   </p:cSld>
   <p:clrMapOvr>
     <a:masterClrMapping/>
@@ -8437,7 +7791,7 @@
         </p:nvSpPr>
         <p:spPr>
           <a:xfrm>
-            <a:off x="3659550" y="186275"/>
+            <a:off x="3615100" y="186275"/>
             <a:ext cx="1815000" cy="771900"/>
           </a:xfrm>
           <a:prstGeom prst="wave">
@@ -8484,625 +7838,8 @@
                   <a:schemeClr val="dk1"/>
                 </a:solidFill>
               </a:rPr>
-              <a:t>Fechar contrato</a:t>
+              <a:t>Receber serviço</a:t>
             </a:r>
-            <a:endParaRPr sz="1200" dirty="0"/>
-          </a:p>
-        </p:txBody>
-      </p:sp>
-      <p:cxnSp>
-        <p:nvCxnSpPr>
-          <p:cNvPr id="111" name="Google Shape;111;p15"/>
-          <p:cNvCxnSpPr>
-            <a:stCxn id="112" idx="0"/>
-            <a:endCxn id="102" idx="2"/>
-          </p:cNvCxnSpPr>
-          <p:nvPr/>
-        </p:nvCxnSpPr>
-        <p:spPr>
-          <a:xfrm rot="5400000" flipH="1" flipV="1">
-            <a:off x="3832509" y="1104247"/>
-            <a:ext cx="934638" cy="534444"/>
-          </a:xfrm>
-          <a:prstGeom prst="curvedConnector5">
-            <a:avLst>
-              <a:gd name="adj1" fmla="val 47110"/>
-              <a:gd name="adj2" fmla="val 3579"/>
-              <a:gd name="adj3" fmla="val 67912"/>
-            </a:avLst>
-          </a:prstGeom>
-          <a:noFill/>
-          <a:ln w="9525" cap="flat" cmpd="sng">
-            <a:solidFill>
-              <a:schemeClr val="dk2"/>
-            </a:solidFill>
-            <a:prstDash val="solid"/>
-            <a:round/>
-            <a:headEnd type="none" w="med" len="med"/>
-            <a:tailEnd type="none" w="med" len="med"/>
-          </a:ln>
-        </p:spPr>
-      </p:cxnSp>
-      <p:sp>
-        <p:nvSpPr>
-          <p:cNvPr id="113" name="Google Shape;113;p15"/>
-          <p:cNvSpPr txBox="1"/>
-          <p:nvPr/>
-        </p:nvSpPr>
-        <p:spPr>
-          <a:xfrm>
-            <a:off x="130400" y="2813122"/>
-            <a:ext cx="8542500" cy="1367400"/>
-          </a:xfrm>
-          <a:prstGeom prst="rect">
-            <a:avLst/>
-          </a:prstGeom>
-          <a:noFill/>
-          <a:ln w="9525" cap="flat" cmpd="sng">
-            <a:solidFill>
-              <a:srgbClr val="FF9900"/>
-            </a:solidFill>
-            <a:prstDash val="solid"/>
-            <a:round/>
-            <a:headEnd type="none" w="sm" len="sm"/>
-            <a:tailEnd type="none" w="sm" len="sm"/>
-          </a:ln>
-        </p:spPr>
-        <p:txBody>
-          <a:bodyPr spcFirstLastPara="1" wrap="square" lIns="91425" tIns="91425" rIns="91425" bIns="91425" anchor="t" anchorCtr="0">
-            <a:noAutofit/>
-          </a:bodyPr>
-          <a:lstStyle/>
-          <a:p>
-            <a:pPr marL="0" lvl="0" indent="0" algn="l" rtl="0">
-              <a:spcBef>
-                <a:spcPts val="0"/>
-              </a:spcBef>
-              <a:spcAft>
-                <a:spcPts val="0"/>
-              </a:spcAft>
-              <a:buNone/>
-            </a:pPr>
-            <a:r>
-              <a:rPr lang="pt-BR" dirty="0"/>
-              <a:t>Capacidades Operacionais</a:t>
-            </a:r>
-            <a:endParaRPr dirty="0"/>
-          </a:p>
-        </p:txBody>
-      </p:sp>
-      <p:grpSp>
-        <p:nvGrpSpPr>
-          <p:cNvPr id="115" name="Google Shape;115;p15"/>
-          <p:cNvGrpSpPr/>
-          <p:nvPr/>
-        </p:nvGrpSpPr>
-        <p:grpSpPr>
-          <a:xfrm>
-            <a:off x="6116076" y="1714176"/>
-            <a:ext cx="897119" cy="830488"/>
-            <a:chOff x="6787874" y="3204287"/>
-            <a:chExt cx="897119" cy="830488"/>
-          </a:xfrm>
-        </p:grpSpPr>
-        <p:grpSp>
-          <p:nvGrpSpPr>
-            <p:cNvPr id="116" name="Google Shape;116;p15"/>
-            <p:cNvGrpSpPr/>
-            <p:nvPr/>
-          </p:nvGrpSpPr>
-          <p:grpSpPr>
-            <a:xfrm>
-              <a:off x="7044733" y="3204287"/>
-              <a:ext cx="308885" cy="587736"/>
-              <a:chOff x="1499725" y="1450825"/>
-              <a:chExt cx="497400" cy="843600"/>
-            </a:xfrm>
-          </p:grpSpPr>
-          <p:sp>
-            <p:nvSpPr>
-              <p:cNvPr id="117" name="Google Shape;117;p15"/>
-              <p:cNvSpPr/>
-              <p:nvPr/>
-            </p:nvSpPr>
-            <p:spPr>
-              <a:xfrm>
-                <a:off x="1597825" y="1450825"/>
-                <a:ext cx="313200" cy="281400"/>
-              </a:xfrm>
-              <a:prstGeom prst="flowChartConnector">
-                <a:avLst/>
-              </a:prstGeom>
-              <a:solidFill>
-                <a:srgbClr val="EEEEEE"/>
-              </a:solidFill>
-              <a:ln w="9525" cap="flat" cmpd="sng">
-                <a:solidFill>
-                  <a:srgbClr val="595959"/>
-                </a:solidFill>
-                <a:prstDash val="solid"/>
-                <a:round/>
-                <a:headEnd type="none" w="sm" len="sm"/>
-                <a:tailEnd type="none" w="sm" len="sm"/>
-              </a:ln>
-            </p:spPr>
-            <p:txBody>
-              <a:bodyPr spcFirstLastPara="1" wrap="square" lIns="91425" tIns="91425" rIns="91425" bIns="91425" anchor="ctr" anchorCtr="0">
-                <a:noAutofit/>
-              </a:bodyPr>
-              <a:lstStyle/>
-              <a:p>
-                <a:pPr marL="0" lvl="0" indent="0" algn="l" rtl="0">
-                  <a:spcBef>
-                    <a:spcPts val="0"/>
-                  </a:spcBef>
-                  <a:spcAft>
-                    <a:spcPts val="0"/>
-                  </a:spcAft>
-                  <a:buNone/>
-                </a:pPr>
-                <a:endParaRPr dirty="0"/>
-              </a:p>
-            </p:txBody>
-          </p:sp>
-          <p:cxnSp>
-            <p:nvCxnSpPr>
-              <p:cNvPr id="118" name="Google Shape;118;p15"/>
-              <p:cNvCxnSpPr>
-                <a:stCxn id="117" idx="4"/>
-              </p:cNvCxnSpPr>
-              <p:nvPr/>
-            </p:nvCxnSpPr>
-            <p:spPr>
-              <a:xfrm flipH="1">
-                <a:off x="1748725" y="1732225"/>
-                <a:ext cx="5700" cy="293100"/>
-              </a:xfrm>
-              <a:prstGeom prst="straightConnector1">
-                <a:avLst/>
-              </a:prstGeom>
-              <a:noFill/>
-              <a:ln w="9525" cap="flat" cmpd="sng">
-                <a:solidFill>
-                  <a:srgbClr val="595959"/>
-                </a:solidFill>
-                <a:prstDash val="solid"/>
-                <a:round/>
-                <a:headEnd type="none" w="med" len="med"/>
-                <a:tailEnd type="none" w="med" len="med"/>
-              </a:ln>
-            </p:spPr>
-          </p:cxnSp>
-          <p:cxnSp>
-            <p:nvCxnSpPr>
-              <p:cNvPr id="119" name="Google Shape;119;p15"/>
-              <p:cNvCxnSpPr/>
-              <p:nvPr/>
-            </p:nvCxnSpPr>
-            <p:spPr>
-              <a:xfrm>
-                <a:off x="1527475" y="1858775"/>
-                <a:ext cx="453900" cy="1800"/>
-              </a:xfrm>
-              <a:prstGeom prst="straightConnector1">
-                <a:avLst/>
-              </a:prstGeom>
-              <a:noFill/>
-              <a:ln w="9525" cap="flat" cmpd="sng">
-                <a:solidFill>
-                  <a:srgbClr val="595959"/>
-                </a:solidFill>
-                <a:prstDash val="solid"/>
-                <a:round/>
-                <a:headEnd type="none" w="med" len="med"/>
-                <a:tailEnd type="none" w="med" len="med"/>
-              </a:ln>
-            </p:spPr>
-          </p:cxnSp>
-          <p:cxnSp>
-            <p:nvCxnSpPr>
-              <p:cNvPr id="120" name="Google Shape;120;p15"/>
-              <p:cNvCxnSpPr/>
-              <p:nvPr/>
-            </p:nvCxnSpPr>
-            <p:spPr>
-              <a:xfrm flipH="1">
-                <a:off x="1499725" y="2022925"/>
-                <a:ext cx="248700" cy="271500"/>
-              </a:xfrm>
-              <a:prstGeom prst="straightConnector1">
-                <a:avLst/>
-              </a:prstGeom>
-              <a:noFill/>
-              <a:ln w="9525" cap="flat" cmpd="sng">
-                <a:solidFill>
-                  <a:srgbClr val="595959"/>
-                </a:solidFill>
-                <a:prstDash val="solid"/>
-                <a:round/>
-                <a:headEnd type="none" w="med" len="med"/>
-                <a:tailEnd type="none" w="med" len="med"/>
-              </a:ln>
-            </p:spPr>
-          </p:cxnSp>
-          <p:cxnSp>
-            <p:nvCxnSpPr>
-              <p:cNvPr id="121" name="Google Shape;121;p15"/>
-              <p:cNvCxnSpPr/>
-              <p:nvPr/>
-            </p:nvCxnSpPr>
-            <p:spPr>
-              <a:xfrm rot="10800000">
-                <a:off x="1748425" y="2022925"/>
-                <a:ext cx="248700" cy="271500"/>
-              </a:xfrm>
-              <a:prstGeom prst="straightConnector1">
-                <a:avLst/>
-              </a:prstGeom>
-              <a:noFill/>
-              <a:ln w="9525" cap="flat" cmpd="sng">
-                <a:solidFill>
-                  <a:srgbClr val="595959"/>
-                </a:solidFill>
-                <a:prstDash val="solid"/>
-                <a:round/>
-                <a:headEnd type="none" w="med" len="med"/>
-                <a:tailEnd type="none" w="med" len="med"/>
-              </a:ln>
-            </p:spPr>
-          </p:cxnSp>
-        </p:grpSp>
-        <p:sp>
-          <p:nvSpPr>
-            <p:cNvPr id="122" name="Google Shape;122;p15"/>
-            <p:cNvSpPr txBox="1"/>
-            <p:nvPr/>
-          </p:nvSpPr>
-          <p:spPr>
-            <a:xfrm>
-              <a:off x="6787874" y="3691875"/>
-              <a:ext cx="897119" cy="342900"/>
-            </a:xfrm>
-            <a:prstGeom prst="rect">
-              <a:avLst/>
-            </a:prstGeom>
-            <a:noFill/>
-            <a:ln>
-              <a:noFill/>
-            </a:ln>
-          </p:spPr>
-          <p:txBody>
-            <a:bodyPr spcFirstLastPara="1" wrap="square" lIns="91425" tIns="91425" rIns="91425" bIns="91425" anchor="t" anchorCtr="0">
-              <a:noAutofit/>
-            </a:bodyPr>
-            <a:lstStyle/>
-            <a:p>
-              <a:pPr marL="0" lvl="0" indent="0" algn="ctr" rtl="0">
-                <a:spcBef>
-                  <a:spcPts val="0"/>
-                </a:spcBef>
-                <a:spcAft>
-                  <a:spcPts val="0"/>
-                </a:spcAft>
-                <a:buNone/>
-              </a:pPr>
-              <a:r>
-                <a:rPr lang="pt-BR" sz="1200" b="1" dirty="0"/>
-                <a:t>Tatuador</a:t>
-              </a:r>
-              <a:endParaRPr sz="1200" b="1" dirty="0"/>
-            </a:p>
-          </p:txBody>
-        </p:sp>
-      </p:grpSp>
-      <p:cxnSp>
-        <p:nvCxnSpPr>
-          <p:cNvPr id="123" name="Google Shape;123;p15"/>
-          <p:cNvCxnSpPr>
-            <a:stCxn id="117" idx="0"/>
-            <a:endCxn id="102" idx="2"/>
-          </p:cNvCxnSpPr>
-          <p:nvPr/>
-        </p:nvCxnSpPr>
-        <p:spPr>
-          <a:xfrm rot="5400000" flipH="1">
-            <a:off x="5144053" y="327126"/>
-            <a:ext cx="810000" cy="1964100"/>
-          </a:xfrm>
-          <a:prstGeom prst="curvedConnector3">
-            <a:avLst>
-              <a:gd name="adj1" fmla="val 46793"/>
-            </a:avLst>
-          </a:prstGeom>
-          <a:noFill/>
-          <a:ln w="9525" cap="flat" cmpd="sng">
-            <a:solidFill>
-              <a:schemeClr val="dk2"/>
-            </a:solidFill>
-            <a:prstDash val="solid"/>
-            <a:round/>
-            <a:headEnd type="none" w="med" len="med"/>
-            <a:tailEnd type="none" w="med" len="med"/>
-          </a:ln>
-        </p:spPr>
-      </p:cxnSp>
-      <p:cxnSp>
-        <p:nvCxnSpPr>
-          <p:cNvPr id="124" name="Google Shape;124;p15"/>
-          <p:cNvCxnSpPr>
-            <a:stCxn id="112" idx="2"/>
-            <a:endCxn id="125" idx="1"/>
-          </p:cNvCxnSpPr>
-          <p:nvPr/>
-        </p:nvCxnSpPr>
-        <p:spPr>
-          <a:xfrm rot="16200000" flipH="1">
-            <a:off x="3839209" y="2563784"/>
-            <a:ext cx="1162012" cy="775219"/>
-          </a:xfrm>
-          <a:prstGeom prst="curvedConnector2">
-            <a:avLst/>
-          </a:prstGeom>
-          <a:noFill/>
-          <a:ln w="9525" cap="flat" cmpd="sng">
-            <a:solidFill>
-              <a:schemeClr val="dk2"/>
-            </a:solidFill>
-            <a:prstDash val="solid"/>
-            <a:round/>
-            <a:headEnd type="none" w="med" len="med"/>
-            <a:tailEnd type="none" w="med" len="med"/>
-          </a:ln>
-        </p:spPr>
-      </p:cxnSp>
-      <p:sp>
-        <p:nvSpPr>
-          <p:cNvPr id="125" name="Google Shape;125;p15"/>
-          <p:cNvSpPr/>
-          <p:nvPr/>
-        </p:nvSpPr>
-        <p:spPr>
-          <a:xfrm>
-            <a:off x="4807825" y="3266600"/>
-            <a:ext cx="1723200" cy="531600"/>
-          </a:xfrm>
-          <a:prstGeom prst="bracketPair">
-            <a:avLst/>
-          </a:prstGeom>
-          <a:noFill/>
-          <a:ln w="9525" cap="flat" cmpd="sng">
-            <a:solidFill>
-              <a:schemeClr val="dk2"/>
-            </a:solidFill>
-            <a:prstDash val="solid"/>
-            <a:round/>
-            <a:headEnd type="none" w="sm" len="sm"/>
-            <a:tailEnd type="none" w="sm" len="sm"/>
-          </a:ln>
-        </p:spPr>
-        <p:txBody>
-          <a:bodyPr spcFirstLastPara="1" wrap="square" lIns="91425" tIns="91425" rIns="91425" bIns="91425" anchor="ctr" anchorCtr="0">
-            <a:noAutofit/>
-          </a:bodyPr>
-          <a:lstStyle/>
-          <a:p>
-            <a:pPr marL="457200" lvl="0" indent="-292100" algn="l" rtl="0">
-              <a:spcBef>
-                <a:spcPts val="0"/>
-              </a:spcBef>
-              <a:spcAft>
-                <a:spcPts val="0"/>
-              </a:spcAft>
-              <a:buSzPts val="1000"/>
-              <a:buChar char="●"/>
-            </a:pPr>
-            <a:r>
-              <a:rPr lang="pt-BR" sz="1000" dirty="0"/>
-              <a:t>Fechar contrato</a:t>
-            </a:r>
-            <a:endParaRPr sz="1000" dirty="0"/>
-          </a:p>
-        </p:txBody>
-      </p:sp>
-      <p:sp>
-        <p:nvSpPr>
-          <p:cNvPr id="112" name="Google Shape;112;p15"/>
-          <p:cNvSpPr/>
-          <p:nvPr/>
-        </p:nvSpPr>
-        <p:spPr>
-          <a:xfrm>
-            <a:off x="3498209" y="1838788"/>
-            <a:ext cx="1068793" cy="531600"/>
-          </a:xfrm>
-          <a:prstGeom prst="roundRect">
-            <a:avLst>
-              <a:gd name="adj" fmla="val 16667"/>
-            </a:avLst>
-          </a:prstGeom>
-          <a:gradFill>
-            <a:gsLst>
-              <a:gs pos="0">
-                <a:srgbClr val="D4E5F5"/>
-              </a:gs>
-              <a:gs pos="100000">
-                <a:srgbClr val="70A4D5"/>
-              </a:gs>
-            </a:gsLst>
-            <a:path path="circle">
-              <a:fillToRect l="50000" t="50000" r="50000" b="50000"/>
-            </a:path>
-            <a:tileRect/>
-          </a:gradFill>
-          <a:ln w="9525" cap="flat" cmpd="sng">
-            <a:solidFill>
-              <a:srgbClr val="F3F3F3"/>
-            </a:solidFill>
-            <a:prstDash val="solid"/>
-            <a:round/>
-            <a:headEnd type="none" w="sm" len="sm"/>
-            <a:tailEnd type="none" w="sm" len="sm"/>
-          </a:ln>
-        </p:spPr>
-        <p:txBody>
-          <a:bodyPr spcFirstLastPara="1" wrap="square" lIns="91425" tIns="91425" rIns="91425" bIns="91425" anchor="ctr" anchorCtr="0">
-            <a:noAutofit/>
-          </a:bodyPr>
-          <a:lstStyle/>
-          <a:p>
-            <a:pPr marL="0" lvl="0" indent="0" algn="ctr" rtl="0">
-              <a:spcBef>
-                <a:spcPts val="0"/>
-              </a:spcBef>
-              <a:spcAft>
-                <a:spcPts val="0"/>
-              </a:spcAft>
-              <a:buNone/>
-            </a:pPr>
-            <a:r>
-              <a:rPr lang="pt-BR" sz="1000" dirty="0"/>
-              <a:t>Administração</a:t>
-            </a:r>
-            <a:endParaRPr sz="1000" dirty="0"/>
-          </a:p>
-        </p:txBody>
-      </p:sp>
-    </p:spTree>
-    <p:extLst>
-      <p:ext uri="{BB962C8B-B14F-4D97-AF65-F5344CB8AC3E}">
-        <p14:creationId xmlns:p14="http://schemas.microsoft.com/office/powerpoint/2010/main" val="332632794"/>
-      </p:ext>
-    </p:extLst>
-  </p:cSld>
-  <p:clrMapOvr>
-    <a:masterClrMapping/>
-  </p:clrMapOvr>
-</p:sld>
-</file>
-
-<file path=ppt/slides/slide5.xml><?xml version="1.0" encoding="utf-8"?>
-<p:sld xmlns:a="http://schemas.openxmlformats.org/drawingml/2006/main" xmlns:r="http://schemas.openxmlformats.org/officeDocument/2006/relationships" xmlns:p="http://schemas.openxmlformats.org/presentationml/2006/main">
-  <p:cSld>
-    <p:spTree>
-      <p:nvGrpSpPr>
-        <p:cNvPr id="1" name="Shape 100"/>
-        <p:cNvGrpSpPr/>
-        <p:nvPr/>
-      </p:nvGrpSpPr>
-      <p:grpSpPr>
-        <a:xfrm>
-          <a:off x="0" y="0"/>
-          <a:ext cx="0" cy="0"/>
-          <a:chOff x="0" y="0"/>
-          <a:chExt cx="0" cy="0"/>
-        </a:xfrm>
-      </p:grpSpPr>
-      <p:sp>
-        <p:nvSpPr>
-          <p:cNvPr id="101" name="Google Shape;101;p15"/>
-          <p:cNvSpPr txBox="1"/>
-          <p:nvPr/>
-        </p:nvSpPr>
-        <p:spPr>
-          <a:xfrm>
-            <a:off x="130400" y="1445725"/>
-            <a:ext cx="8542500" cy="1367400"/>
-          </a:xfrm>
-          <a:prstGeom prst="rect">
-            <a:avLst/>
-          </a:prstGeom>
-          <a:noFill/>
-          <a:ln w="9525" cap="flat" cmpd="sng">
-            <a:solidFill>
-              <a:srgbClr val="FF9900"/>
-            </a:solidFill>
-            <a:prstDash val="solid"/>
-            <a:round/>
-            <a:headEnd type="none" w="sm" len="sm"/>
-            <a:tailEnd type="none" w="sm" len="sm"/>
-          </a:ln>
-        </p:spPr>
-        <p:txBody>
-          <a:bodyPr spcFirstLastPara="1" wrap="square" lIns="91425" tIns="91425" rIns="91425" bIns="91425" anchor="t" anchorCtr="0">
-            <a:noAutofit/>
-          </a:bodyPr>
-          <a:lstStyle/>
-          <a:p>
-            <a:pPr marL="0" lvl="0" indent="0" algn="l" rtl="0">
-              <a:spcBef>
-                <a:spcPts val="0"/>
-              </a:spcBef>
-              <a:spcAft>
-                <a:spcPts val="0"/>
-              </a:spcAft>
-              <a:buNone/>
-            </a:pPr>
-            <a:r>
-              <a:rPr lang="pt-BR" dirty="0"/>
-              <a:t>Nós Operacionais</a:t>
-            </a:r>
-            <a:endParaRPr dirty="0"/>
-          </a:p>
-        </p:txBody>
-      </p:sp>
-      <p:sp>
-        <p:nvSpPr>
-          <p:cNvPr id="102" name="Google Shape;102;p15"/>
-          <p:cNvSpPr/>
-          <p:nvPr/>
-        </p:nvSpPr>
-        <p:spPr>
-          <a:xfrm>
-            <a:off x="3659550" y="186275"/>
-            <a:ext cx="1815000" cy="771900"/>
-          </a:xfrm>
-          <a:prstGeom prst="wave">
-            <a:avLst>
-              <a:gd name="adj1" fmla="val 6999"/>
-              <a:gd name="adj2" fmla="val 0"/>
-            </a:avLst>
-          </a:prstGeom>
-          <a:solidFill>
-            <a:srgbClr val="F4CCCC"/>
-          </a:solidFill>
-          <a:ln w="9525" cap="flat" cmpd="sng">
-            <a:solidFill>
-              <a:srgbClr val="FFFFFF"/>
-            </a:solidFill>
-            <a:prstDash val="solid"/>
-            <a:round/>
-            <a:headEnd type="none" w="sm" len="sm"/>
-            <a:tailEnd type="none" w="sm" len="sm"/>
-          </a:ln>
-        </p:spPr>
-        <p:txBody>
-          <a:bodyPr spcFirstLastPara="1" wrap="square" lIns="91425" tIns="91425" rIns="91425" bIns="91425" anchor="ctr" anchorCtr="0">
-            <a:noAutofit/>
-          </a:bodyPr>
-          <a:lstStyle/>
-          <a:p>
-            <a:pPr marL="457200" lvl="0" indent="-292100" algn="l" rtl="0">
-              <a:spcBef>
-                <a:spcPts val="0"/>
-              </a:spcBef>
-              <a:spcAft>
-                <a:spcPts val="0"/>
-              </a:spcAft>
-              <a:buClr>
-                <a:schemeClr val="dk1"/>
-              </a:buClr>
-              <a:buSzPts val="1000"/>
-              <a:buChar char="❖"/>
-            </a:pPr>
-            <a:r>
-              <a:rPr lang="pt-BR" sz="1000" dirty="0">
-                <a:solidFill>
-                  <a:schemeClr val="dk1"/>
-                </a:solidFill>
-              </a:rPr>
-              <a:t>Realizar serviço </a:t>
-            </a:r>
-            <a:endParaRPr sz="1200" dirty="0"/>
           </a:p>
         </p:txBody>
       </p:sp>
@@ -9330,37 +8067,6 @@
           </p:txBody>
         </p:sp>
       </p:grpSp>
-      <p:cxnSp>
-        <p:nvCxnSpPr>
-          <p:cNvPr id="111" name="Google Shape;111;p15"/>
-          <p:cNvCxnSpPr>
-            <a:stCxn id="112" idx="0"/>
-            <a:endCxn id="102" idx="2"/>
-          </p:cNvCxnSpPr>
-          <p:nvPr/>
-        </p:nvCxnSpPr>
-        <p:spPr>
-          <a:xfrm rot="-5400000">
-            <a:off x="3849102" y="1120888"/>
-            <a:ext cx="934500" cy="501300"/>
-          </a:xfrm>
-          <a:prstGeom prst="curvedConnector3">
-            <a:avLst>
-              <a:gd name="adj1" fmla="val 47226"/>
-            </a:avLst>
-          </a:prstGeom>
-          <a:noFill/>
-          <a:ln w="9525" cap="flat" cmpd="sng">
-            <a:solidFill>
-              <a:schemeClr val="dk2"/>
-            </a:solidFill>
-            <a:prstDash val="solid"/>
-            <a:round/>
-            <a:headEnd type="none" w="med" len="med"/>
-            <a:tailEnd type="none" w="med" len="med"/>
-          </a:ln>
-        </p:spPr>
-      </p:cxnSp>
       <p:sp>
         <p:nvSpPr>
           <p:cNvPr id="113" name="Google Shape;113;p15"/>
@@ -9411,303 +8117,18 @@
       </p:sp>
       <p:cxnSp>
         <p:nvCxnSpPr>
-          <p:cNvPr id="114" name="Google Shape;114;p15"/>
-          <p:cNvCxnSpPr>
-            <a:stCxn id="105" idx="0"/>
-            <a:endCxn id="102" idx="2"/>
-          </p:cNvCxnSpPr>
-          <p:nvPr/>
-        </p:nvCxnSpPr>
-        <p:spPr>
-          <a:xfrm rot="-5400000">
-            <a:off x="2790151" y="111815"/>
-            <a:ext cx="984600" cy="2569200"/>
-          </a:xfrm>
-          <a:prstGeom prst="curvedConnector3">
-            <a:avLst>
-              <a:gd name="adj1" fmla="val 47358"/>
-            </a:avLst>
-          </a:prstGeom>
-          <a:noFill/>
-          <a:ln w="9525" cap="flat" cmpd="sng">
-            <a:solidFill>
-              <a:schemeClr val="dk2"/>
-            </a:solidFill>
-            <a:prstDash val="solid"/>
-            <a:round/>
-            <a:headEnd type="none" w="med" len="med"/>
-            <a:tailEnd type="none" w="med" len="med"/>
-          </a:ln>
-        </p:spPr>
-      </p:cxnSp>
-      <p:grpSp>
-        <p:nvGrpSpPr>
-          <p:cNvPr id="115" name="Google Shape;115;p15"/>
-          <p:cNvGrpSpPr/>
-          <p:nvPr/>
-        </p:nvGrpSpPr>
-        <p:grpSpPr>
-          <a:xfrm>
-            <a:off x="6116076" y="1714176"/>
-            <a:ext cx="897119" cy="830488"/>
-            <a:chOff x="6787874" y="3204287"/>
-            <a:chExt cx="897119" cy="830488"/>
-          </a:xfrm>
-        </p:grpSpPr>
-        <p:grpSp>
-          <p:nvGrpSpPr>
-            <p:cNvPr id="116" name="Google Shape;116;p15"/>
-            <p:cNvGrpSpPr/>
-            <p:nvPr/>
-          </p:nvGrpSpPr>
-          <p:grpSpPr>
-            <a:xfrm>
-              <a:off x="7044733" y="3204287"/>
-              <a:ext cx="308885" cy="587736"/>
-              <a:chOff x="1499725" y="1450825"/>
-              <a:chExt cx="497400" cy="843600"/>
-            </a:xfrm>
-          </p:grpSpPr>
-          <p:sp>
-            <p:nvSpPr>
-              <p:cNvPr id="117" name="Google Shape;117;p15"/>
-              <p:cNvSpPr/>
-              <p:nvPr/>
-            </p:nvSpPr>
-            <p:spPr>
-              <a:xfrm>
-                <a:off x="1597825" y="1450825"/>
-                <a:ext cx="313200" cy="281400"/>
-              </a:xfrm>
-              <a:prstGeom prst="flowChartConnector">
-                <a:avLst/>
-              </a:prstGeom>
-              <a:solidFill>
-                <a:srgbClr val="EEEEEE"/>
-              </a:solidFill>
-              <a:ln w="9525" cap="flat" cmpd="sng">
-                <a:solidFill>
-                  <a:srgbClr val="595959"/>
-                </a:solidFill>
-                <a:prstDash val="solid"/>
-                <a:round/>
-                <a:headEnd type="none" w="sm" len="sm"/>
-                <a:tailEnd type="none" w="sm" len="sm"/>
-              </a:ln>
-            </p:spPr>
-            <p:txBody>
-              <a:bodyPr spcFirstLastPara="1" wrap="square" lIns="91425" tIns="91425" rIns="91425" bIns="91425" anchor="ctr" anchorCtr="0">
-                <a:noAutofit/>
-              </a:bodyPr>
-              <a:lstStyle/>
-              <a:p>
-                <a:pPr marL="0" lvl="0" indent="0" algn="l" rtl="0">
-                  <a:spcBef>
-                    <a:spcPts val="0"/>
-                  </a:spcBef>
-                  <a:spcAft>
-                    <a:spcPts val="0"/>
-                  </a:spcAft>
-                  <a:buNone/>
-                </a:pPr>
-                <a:endParaRPr dirty="0"/>
-              </a:p>
-            </p:txBody>
-          </p:sp>
-          <p:cxnSp>
-            <p:nvCxnSpPr>
-              <p:cNvPr id="118" name="Google Shape;118;p15"/>
-              <p:cNvCxnSpPr>
-                <a:stCxn id="117" idx="4"/>
-              </p:cNvCxnSpPr>
-              <p:nvPr/>
-            </p:nvCxnSpPr>
-            <p:spPr>
-              <a:xfrm flipH="1">
-                <a:off x="1748725" y="1732225"/>
-                <a:ext cx="5700" cy="293100"/>
-              </a:xfrm>
-              <a:prstGeom prst="straightConnector1">
-                <a:avLst/>
-              </a:prstGeom>
-              <a:noFill/>
-              <a:ln w="9525" cap="flat" cmpd="sng">
-                <a:solidFill>
-                  <a:srgbClr val="595959"/>
-                </a:solidFill>
-                <a:prstDash val="solid"/>
-                <a:round/>
-                <a:headEnd type="none" w="med" len="med"/>
-                <a:tailEnd type="none" w="med" len="med"/>
-              </a:ln>
-            </p:spPr>
-          </p:cxnSp>
-          <p:cxnSp>
-            <p:nvCxnSpPr>
-              <p:cNvPr id="119" name="Google Shape;119;p15"/>
-              <p:cNvCxnSpPr/>
-              <p:nvPr/>
-            </p:nvCxnSpPr>
-            <p:spPr>
-              <a:xfrm>
-                <a:off x="1527475" y="1858775"/>
-                <a:ext cx="453900" cy="1800"/>
-              </a:xfrm>
-              <a:prstGeom prst="straightConnector1">
-                <a:avLst/>
-              </a:prstGeom>
-              <a:noFill/>
-              <a:ln w="9525" cap="flat" cmpd="sng">
-                <a:solidFill>
-                  <a:srgbClr val="595959"/>
-                </a:solidFill>
-                <a:prstDash val="solid"/>
-                <a:round/>
-                <a:headEnd type="none" w="med" len="med"/>
-                <a:tailEnd type="none" w="med" len="med"/>
-              </a:ln>
-            </p:spPr>
-          </p:cxnSp>
-          <p:cxnSp>
-            <p:nvCxnSpPr>
-              <p:cNvPr id="120" name="Google Shape;120;p15"/>
-              <p:cNvCxnSpPr/>
-              <p:nvPr/>
-            </p:nvCxnSpPr>
-            <p:spPr>
-              <a:xfrm flipH="1">
-                <a:off x="1499725" y="2022925"/>
-                <a:ext cx="248700" cy="271500"/>
-              </a:xfrm>
-              <a:prstGeom prst="straightConnector1">
-                <a:avLst/>
-              </a:prstGeom>
-              <a:noFill/>
-              <a:ln w="9525" cap="flat" cmpd="sng">
-                <a:solidFill>
-                  <a:srgbClr val="595959"/>
-                </a:solidFill>
-                <a:prstDash val="solid"/>
-                <a:round/>
-                <a:headEnd type="none" w="med" len="med"/>
-                <a:tailEnd type="none" w="med" len="med"/>
-              </a:ln>
-            </p:spPr>
-          </p:cxnSp>
-          <p:cxnSp>
-            <p:nvCxnSpPr>
-              <p:cNvPr id="121" name="Google Shape;121;p15"/>
-              <p:cNvCxnSpPr/>
-              <p:nvPr/>
-            </p:nvCxnSpPr>
-            <p:spPr>
-              <a:xfrm rot="10800000">
-                <a:off x="1748425" y="2022925"/>
-                <a:ext cx="248700" cy="271500"/>
-              </a:xfrm>
-              <a:prstGeom prst="straightConnector1">
-                <a:avLst/>
-              </a:prstGeom>
-              <a:noFill/>
-              <a:ln w="9525" cap="flat" cmpd="sng">
-                <a:solidFill>
-                  <a:srgbClr val="595959"/>
-                </a:solidFill>
-                <a:prstDash val="solid"/>
-                <a:round/>
-                <a:headEnd type="none" w="med" len="med"/>
-                <a:tailEnd type="none" w="med" len="med"/>
-              </a:ln>
-            </p:spPr>
-          </p:cxnSp>
-        </p:grpSp>
-        <p:sp>
-          <p:nvSpPr>
-            <p:cNvPr id="122" name="Google Shape;122;p15"/>
-            <p:cNvSpPr txBox="1"/>
-            <p:nvPr/>
-          </p:nvSpPr>
-          <p:spPr>
-            <a:xfrm>
-              <a:off x="6787874" y="3691875"/>
-              <a:ext cx="897119" cy="342900"/>
-            </a:xfrm>
-            <a:prstGeom prst="rect">
-              <a:avLst/>
-            </a:prstGeom>
-            <a:noFill/>
-            <a:ln>
-              <a:noFill/>
-            </a:ln>
-          </p:spPr>
-          <p:txBody>
-            <a:bodyPr spcFirstLastPara="1" wrap="square" lIns="91425" tIns="91425" rIns="91425" bIns="91425" anchor="t" anchorCtr="0">
-              <a:noAutofit/>
-            </a:bodyPr>
-            <a:lstStyle/>
-            <a:p>
-              <a:pPr marL="0" lvl="0" indent="0" algn="ctr" rtl="0">
-                <a:spcBef>
-                  <a:spcPts val="0"/>
-                </a:spcBef>
-                <a:spcAft>
-                  <a:spcPts val="0"/>
-                </a:spcAft>
-                <a:buNone/>
-              </a:pPr>
-              <a:r>
-                <a:rPr lang="pt-BR" sz="1200" b="1" dirty="0"/>
-                <a:t>Tatuador</a:t>
-              </a:r>
-              <a:endParaRPr sz="1200" b="1" dirty="0"/>
-            </a:p>
-          </p:txBody>
-        </p:sp>
-      </p:grpSp>
-      <p:cxnSp>
-        <p:nvCxnSpPr>
-          <p:cNvPr id="123" name="Google Shape;123;p15"/>
-          <p:cNvCxnSpPr>
-            <a:stCxn id="117" idx="0"/>
-            <a:endCxn id="102" idx="2"/>
-          </p:cNvCxnSpPr>
-          <p:nvPr/>
-        </p:nvCxnSpPr>
-        <p:spPr>
-          <a:xfrm rot="5400000" flipH="1">
-            <a:off x="5144053" y="327126"/>
-            <a:ext cx="810000" cy="1964100"/>
-          </a:xfrm>
-          <a:prstGeom prst="curvedConnector3">
-            <a:avLst>
-              <a:gd name="adj1" fmla="val 46793"/>
-            </a:avLst>
-          </a:prstGeom>
-          <a:noFill/>
-          <a:ln w="9525" cap="flat" cmpd="sng">
-            <a:solidFill>
-              <a:schemeClr val="dk2"/>
-            </a:solidFill>
-            <a:prstDash val="solid"/>
-            <a:round/>
-            <a:headEnd type="none" w="med" len="med"/>
-            <a:tailEnd type="none" w="med" len="med"/>
-          </a:ln>
-        </p:spPr>
-      </p:cxnSp>
-      <p:cxnSp>
-        <p:nvCxnSpPr>
           <p:cNvPr id="124" name="Google Shape;124;p15"/>
           <p:cNvCxnSpPr>
+            <a:cxnSpLocks/>
             <a:stCxn id="112" idx="2"/>
             <a:endCxn id="125" idx="1"/>
           </p:cNvCxnSpPr>
           <p:nvPr/>
         </p:nvCxnSpPr>
         <p:spPr>
-          <a:xfrm rot="-5400000" flipH="1">
-            <a:off x="3855852" y="2580238"/>
-            <a:ext cx="1161900" cy="742200"/>
+          <a:xfrm rot="16200000" flipH="1">
+            <a:off x="4098678" y="2823252"/>
+            <a:ext cx="1131937" cy="286358"/>
           </a:xfrm>
           <a:prstGeom prst="curvedConnector2">
             <a:avLst/>
@@ -9733,7 +8154,7 @@
         <p:spPr>
           <a:xfrm>
             <a:off x="4807825" y="3266600"/>
-            <a:ext cx="1723200" cy="531600"/>
+            <a:ext cx="1873996" cy="531600"/>
           </a:xfrm>
           <a:prstGeom prst="bracketPair">
             <a:avLst/>
@@ -9767,25 +8188,8 @@
             </a:pPr>
             <a:r>
               <a:rPr lang="pt-BR" sz="1000" dirty="0"/>
-              <a:t>Receber serviço</a:t>
+              <a:t>Realizar Serviço</a:t>
             </a:r>
-          </a:p>
-          <a:p>
-            <a:pPr marL="457200" lvl="0" indent="-292100" algn="l" rtl="0">
-              <a:spcBef>
-                <a:spcPts val="0"/>
-              </a:spcBef>
-              <a:spcAft>
-                <a:spcPts val="0"/>
-              </a:spcAft>
-              <a:buSzPts val="1000"/>
-              <a:buChar char="●"/>
-            </a:pPr>
-            <a:r>
-              <a:rPr lang="pt-BR" sz="1000" dirty="0"/>
-              <a:t>Realizar serviço</a:t>
-            </a:r>
-            <a:endParaRPr sz="1000" dirty="0"/>
           </a:p>
         </p:txBody>
       </p:sp>
@@ -9797,8 +8201,8 @@
         </p:nvSpPr>
         <p:spPr>
           <a:xfrm>
-            <a:off x="3564402" y="1838788"/>
-            <a:ext cx="1002600" cy="531600"/>
+            <a:off x="3951444" y="1868863"/>
+            <a:ext cx="1140045" cy="531600"/>
           </a:xfrm>
           <a:prstGeom prst="roundRect">
             <a:avLst>
@@ -9852,10 +8256,99 @@
           </a:p>
         </p:txBody>
       </p:sp>
+      <p:cxnSp>
+        <p:nvCxnSpPr>
+          <p:cNvPr id="23" name="Conector reto 22">
+            <a:extLst>
+              <a:ext uri="{FF2B5EF4-FFF2-40B4-BE49-F238E27FC236}">
+                <a16:creationId xmlns:a16="http://schemas.microsoft.com/office/drawing/2014/main" id="{5592ECA4-BDB1-440B-83B7-78B4A4C76809}"/>
+              </a:ext>
+            </a:extLst>
+          </p:cNvPr>
+          <p:cNvCxnSpPr>
+            <a:cxnSpLocks/>
+            <a:stCxn id="112" idx="0"/>
+            <a:endCxn id="102" idx="2"/>
+          </p:cNvCxnSpPr>
+          <p:nvPr/>
+        </p:nvCxnSpPr>
+        <p:spPr>
+          <a:xfrm flipV="1">
+            <a:off x="4521467" y="904150"/>
+            <a:ext cx="1133" cy="964713"/>
+          </a:xfrm>
+          <a:prstGeom prst="line">
+            <a:avLst/>
+          </a:prstGeom>
+          <a:ln>
+            <a:solidFill>
+              <a:schemeClr val="tx1"/>
+            </a:solidFill>
+          </a:ln>
+        </p:spPr>
+        <p:style>
+          <a:lnRef idx="1">
+            <a:schemeClr val="accent1"/>
+          </a:lnRef>
+          <a:fillRef idx="0">
+            <a:schemeClr val="accent1"/>
+          </a:fillRef>
+          <a:effectRef idx="0">
+            <a:schemeClr val="accent1"/>
+          </a:effectRef>
+          <a:fontRef idx="minor">
+            <a:schemeClr val="tx1"/>
+          </a:fontRef>
+        </p:style>
+      </p:cxnSp>
+      <p:cxnSp>
+        <p:nvCxnSpPr>
+          <p:cNvPr id="28" name="Conector reto 27">
+            <a:extLst>
+              <a:ext uri="{FF2B5EF4-FFF2-40B4-BE49-F238E27FC236}">
+                <a16:creationId xmlns:a16="http://schemas.microsoft.com/office/drawing/2014/main" id="{5437FAC4-D15E-4642-BC3B-D929A39A931A}"/>
+              </a:ext>
+            </a:extLst>
+          </p:cNvPr>
+          <p:cNvCxnSpPr>
+            <a:cxnSpLocks/>
+            <a:stCxn id="102" idx="2"/>
+          </p:cNvCxnSpPr>
+          <p:nvPr/>
+        </p:nvCxnSpPr>
+        <p:spPr>
+          <a:xfrm flipH="1">
+            <a:off x="2291950" y="904150"/>
+            <a:ext cx="2230650" cy="1360200"/>
+          </a:xfrm>
+          <a:prstGeom prst="line">
+            <a:avLst/>
+          </a:prstGeom>
+          <a:ln>
+            <a:solidFill>
+              <a:schemeClr val="tx1"/>
+            </a:solidFill>
+          </a:ln>
+        </p:spPr>
+        <p:style>
+          <a:lnRef idx="1">
+            <a:schemeClr val="accent1"/>
+          </a:lnRef>
+          <a:fillRef idx="0">
+            <a:schemeClr val="accent1"/>
+          </a:fillRef>
+          <a:effectRef idx="0">
+            <a:schemeClr val="accent1"/>
+          </a:effectRef>
+          <a:fontRef idx="minor">
+            <a:schemeClr val="tx1"/>
+          </a:fontRef>
+        </p:style>
+      </p:cxnSp>
     </p:spTree>
     <p:extLst>
       <p:ext uri="{BB962C8B-B14F-4D97-AF65-F5344CB8AC3E}">
-        <p14:creationId xmlns:p14="http://schemas.microsoft.com/office/powerpoint/2010/main" val="1008109227"/>
+        <p14:creationId xmlns:p14="http://schemas.microsoft.com/office/powerpoint/2010/main" val="2489410595"/>
       </p:ext>
     </p:extLst>
   </p:cSld>
